--- a/presentation_covid19-final.pptx
+++ b/presentation_covid19-final.pptx
@@ -31,11 +31,11 @@
   <p:notesSz cx="6858000" cy="9144000"/>
   <p:embeddedFontLst>
     <p:embeddedFont>
-      <p:font typeface="Abel" panose="020B0604020202020204" charset="0"/>
+      <p:font typeface="Abel" panose="02000506030000020004" pitchFamily="2" charset="0"/>
       <p:regular r:id="rId21"/>
     </p:embeddedFont>
     <p:embeddedFont>
-      <p:font typeface="Bahiana" panose="020B0604020202020204" charset="0"/>
+      <p:font typeface="Bahiana" pitchFamily="2" charset="77"/>
       <p:regular r:id="rId22"/>
     </p:embeddedFont>
     <p:embeddedFont>
@@ -46,7 +46,7 @@
       <p:boldItalic r:id="rId26"/>
     </p:embeddedFont>
     <p:embeddedFont>
-      <p:font typeface="Staatliches" panose="020B0604020202020204" charset="0"/>
+      <p:font typeface="Staatliches" pitchFamily="2" charset="0"/>
       <p:regular r:id="rId27"/>
     </p:embeddedFont>
   </p:embeddedFontLst>
@@ -30096,10 +30096,10 @@
       </p:sp>
       <p:pic>
         <p:nvPicPr>
-          <p:cNvPr id="4" name="Picture 3" descr="Chart, bar chart&#10;&#10;Description automatically generated">
+          <p:cNvPr id="3" name="Picture 2">
             <a:extLst>
               <a:ext uri="{FF2B5EF4-FFF2-40B4-BE49-F238E27FC236}">
-                <a16:creationId xmlns:a16="http://schemas.microsoft.com/office/drawing/2014/main" id="{A6E63D11-2CEF-4DF1-8B6C-25E2288F9693}"/>
+                <a16:creationId xmlns:a16="http://schemas.microsoft.com/office/drawing/2014/main" id="{4EA16B93-F266-E54E-93FC-E63589C64422}"/>
               </a:ext>
             </a:extLst>
           </p:cNvPr>
@@ -30116,8 +30116,8 @@
         </p:blipFill>
         <p:spPr>
           <a:xfrm>
-            <a:off x="1743075" y="1222241"/>
-            <a:ext cx="5658000" cy="3753170"/>
+            <a:off x="971550" y="1199071"/>
+            <a:ext cx="7200900" cy="3709359"/>
           </a:xfrm>
           <a:prstGeom prst="rect">
             <a:avLst/>

--- a/presentation_covid19-final.pptx
+++ b/presentation_covid19-final.pptx
@@ -31,11 +31,11 @@
   <p:notesSz cx="6858000" cy="9144000"/>
   <p:embeddedFontLst>
     <p:embeddedFont>
-      <p:font typeface="Abel" panose="02000506030000020004" pitchFamily="2" charset="0"/>
+      <p:font typeface="Abel" panose="020B0604020202020204" charset="0"/>
       <p:regular r:id="rId21"/>
     </p:embeddedFont>
     <p:embeddedFont>
-      <p:font typeface="Bahiana" pitchFamily="2" charset="77"/>
+      <p:font typeface="Bahiana" panose="020B0604020202020204" charset="0"/>
       <p:regular r:id="rId22"/>
     </p:embeddedFont>
     <p:embeddedFont>
@@ -46,7 +46,7 @@
       <p:boldItalic r:id="rId26"/>
     </p:embeddedFont>
     <p:embeddedFont>
-      <p:font typeface="Staatliches" pitchFamily="2" charset="0"/>
+      <p:font typeface="Staatliches" panose="020B0604020202020204" charset="0"/>
       <p:regular r:id="rId27"/>
     </p:embeddedFont>
   </p:embeddedFontLst>
@@ -30096,10 +30096,10 @@
       </p:sp>
       <p:pic>
         <p:nvPicPr>
-          <p:cNvPr id="3" name="Picture 2">
+          <p:cNvPr id="3" name="Picture 2" descr="Chart, bar chart&#10;&#10;Description automatically generated">
             <a:extLst>
               <a:ext uri="{FF2B5EF4-FFF2-40B4-BE49-F238E27FC236}">
-                <a16:creationId xmlns:a16="http://schemas.microsoft.com/office/drawing/2014/main" id="{4EA16B93-F266-E54E-93FC-E63589C64422}"/>
+                <a16:creationId xmlns:a16="http://schemas.microsoft.com/office/drawing/2014/main" id="{F2CCEE73-A7EE-43E0-B32C-965ECE739460}"/>
               </a:ext>
             </a:extLst>
           </p:cNvPr>
@@ -30116,8 +30116,8 @@
         </p:blipFill>
         <p:spPr>
           <a:xfrm>
-            <a:off x="971550" y="1199071"/>
-            <a:ext cx="7200900" cy="3709359"/>
+            <a:off x="1461702" y="1203681"/>
+            <a:ext cx="5371585" cy="3836846"/>
           </a:xfrm>
           <a:prstGeom prst="rect">
             <a:avLst/>

--- a/presentation_covid19-final.pptx
+++ b/presentation_covid19-final.pptx
@@ -23634,7 +23634,7 @@
           <a:p>
             <a:r>
               <a:rPr lang="en-US" sz="1200" dirty="0"/>
-              <a:t>There seems to be a pattern of positive but weak correlations between the different variables in COVID-19 cases and deaths. The things that most people already knew about the virus such as cases among elderly populations or pre-existing conditions would have higher death rates. On conclusion that we can extrapolate from these findings is that even though the research we conducted came back positive, it may have had weak correlation because of low mortality rates compared to cases. This does not mean that one should look at COVID-19 less seriously. There are still long-term effects that could affect a person's health for life. Until more research is conducted and published, the current heath recommendations should be followed.    </a:t>
+              <a:t>There seems to be a pattern of positive but weak correlations between the different variables in COVID-19 cases and deaths. The things that most people already knew about the virus such as cases among elderly populations or pre-existing conditions would have higher death rates. One conclusion that we can extrapolate from these findings is that even though the research we conducted came back positive, it may have had weak correlation because of low mortality rates compared to cases. This does not mean that one should look at COVID-19 less seriously. There are still long-term effects that could affect a person's health for life. Until more research is conducted and published, the current heath recommendations should be followed.    </a:t>
             </a:r>
           </a:p>
         </p:txBody>
@@ -26237,6 +26237,15 @@
             </a:r>
           </a:p>
           <a:p>
+            <a:r>
+              <a:rPr lang="en-US" sz="2000" dirty="0"/>
+              <a:t>Do male or female smokers have a higher chance of death of COVID-19?</a:t>
+            </a:r>
+          </a:p>
+          <a:p>
+            <a:pPr marL="158750" indent="0">
+              <a:buNone/>
+            </a:pPr>
             <a:endParaRPr lang="en-US" dirty="0"/>
           </a:p>
           <a:p>

--- a/presentation_covid19-final.pptx
+++ b/presentation_covid19-final.pptx
@@ -5,7 +5,7 @@
     <p:sldMasterId id="2147483672" r:id="rId1"/>
   </p:sldMasterIdLst>
   <p:notesMasterIdLst>
-    <p:notesMasterId r:id="rId20"/>
+    <p:notesMasterId r:id="rId21"/>
   </p:notesMasterIdLst>
   <p:sldIdLst>
     <p:sldId id="256" r:id="rId2"/>
@@ -17,37 +17,38 @@
     <p:sldId id="306" r:id="rId8"/>
     <p:sldId id="276" r:id="rId9"/>
     <p:sldId id="307" r:id="rId10"/>
-    <p:sldId id="312" r:id="rId11"/>
-    <p:sldId id="308" r:id="rId12"/>
-    <p:sldId id="309" r:id="rId13"/>
-    <p:sldId id="314" r:id="rId14"/>
-    <p:sldId id="315" r:id="rId15"/>
-    <p:sldId id="311" r:id="rId16"/>
-    <p:sldId id="261" r:id="rId17"/>
-    <p:sldId id="313" r:id="rId18"/>
-    <p:sldId id="286" r:id="rId19"/>
+    <p:sldId id="316" r:id="rId11"/>
+    <p:sldId id="312" r:id="rId12"/>
+    <p:sldId id="308" r:id="rId13"/>
+    <p:sldId id="309" r:id="rId14"/>
+    <p:sldId id="314" r:id="rId15"/>
+    <p:sldId id="315" r:id="rId16"/>
+    <p:sldId id="311" r:id="rId17"/>
+    <p:sldId id="261" r:id="rId18"/>
+    <p:sldId id="313" r:id="rId19"/>
+    <p:sldId id="286" r:id="rId20"/>
   </p:sldIdLst>
   <p:sldSz cx="9144000" cy="5143500" type="screen16x9"/>
   <p:notesSz cx="6858000" cy="9144000"/>
   <p:embeddedFontLst>
     <p:embeddedFont>
       <p:font typeface="Abel" panose="020B0604020202020204" charset="0"/>
-      <p:regular r:id="rId21"/>
+      <p:regular r:id="rId22"/>
     </p:embeddedFont>
     <p:embeddedFont>
       <p:font typeface="Bahiana" panose="020B0604020202020204" charset="0"/>
-      <p:regular r:id="rId22"/>
+      <p:regular r:id="rId23"/>
     </p:embeddedFont>
     <p:embeddedFont>
       <p:font typeface="Georgia" panose="02040502050405020303" pitchFamily="18" charset="0"/>
-      <p:regular r:id="rId23"/>
-      <p:bold r:id="rId24"/>
-      <p:italic r:id="rId25"/>
-      <p:boldItalic r:id="rId26"/>
+      <p:regular r:id="rId24"/>
+      <p:bold r:id="rId25"/>
+      <p:italic r:id="rId26"/>
+      <p:boldItalic r:id="rId27"/>
     </p:embeddedFont>
     <p:embeddedFont>
       <p:font typeface="Staatliches" panose="020B0604020202020204" charset="0"/>
-      <p:regular r:id="rId27"/>
+      <p:regular r:id="rId28"/>
     </p:embeddedFont>
   </p:embeddedFontLst>
   <p:defaultTextStyle>
@@ -20544,6 +20545,119 @@
 <file path=ppt/slides/slide10.xml><?xml version="1.0" encoding="utf-8"?>
 <p:sld xmlns:a="http://schemas.openxmlformats.org/drawingml/2006/main" xmlns:r="http://schemas.openxmlformats.org/officeDocument/2006/relationships" xmlns:p="http://schemas.openxmlformats.org/presentationml/2006/main">
   <p:cSld>
+    <p:spTree>
+      <p:nvGrpSpPr>
+        <p:cNvPr id="1" name=""/>
+        <p:cNvGrpSpPr/>
+        <p:nvPr/>
+      </p:nvGrpSpPr>
+      <p:grpSpPr>
+        <a:xfrm>
+          <a:off x="0" y="0"/>
+          <a:ext cx="0" cy="0"/>
+          <a:chOff x="0" y="0"/>
+          <a:chExt cx="0" cy="0"/>
+        </a:xfrm>
+      </p:grpSpPr>
+      <p:sp>
+        <p:nvSpPr>
+          <p:cNvPr id="2" name="Title 1">
+            <a:extLst>
+              <a:ext uri="{FF2B5EF4-FFF2-40B4-BE49-F238E27FC236}">
+                <a16:creationId xmlns:a16="http://schemas.microsoft.com/office/drawing/2014/main" id="{662AD84E-B592-44BD-A912-25FC7860D050}"/>
+              </a:ext>
+            </a:extLst>
+          </p:cNvPr>
+          <p:cNvSpPr>
+            <a:spLocks noGrp="1"/>
+          </p:cNvSpPr>
+          <p:nvPr>
+            <p:ph type="ctrTitle"/>
+          </p:nvPr>
+        </p:nvSpPr>
+        <p:spPr/>
+        <p:txBody>
+          <a:bodyPr/>
+          <a:lstStyle/>
+          <a:p>
+            <a:r>
+              <a:rPr lang="en-US" dirty="0"/>
+              <a:t>Heat Map of Total Cases by Country</a:t>
+            </a:r>
+          </a:p>
+        </p:txBody>
+      </p:sp>
+      <p:sp>
+        <p:nvSpPr>
+          <p:cNvPr id="3" name="Text Placeholder 2">
+            <a:extLst>
+              <a:ext uri="{FF2B5EF4-FFF2-40B4-BE49-F238E27FC236}">
+                <a16:creationId xmlns:a16="http://schemas.microsoft.com/office/drawing/2014/main" id="{4922EBC3-AC1A-4DFE-9E7C-2EC985638CE7}"/>
+              </a:ext>
+            </a:extLst>
+          </p:cNvPr>
+          <p:cNvSpPr>
+            <a:spLocks noGrp="1"/>
+          </p:cNvSpPr>
+          <p:nvPr>
+            <p:ph type="body" idx="1"/>
+          </p:nvPr>
+        </p:nvSpPr>
+        <p:spPr/>
+        <p:txBody>
+          <a:bodyPr/>
+          <a:lstStyle/>
+          <a:p>
+            <a:endParaRPr lang="en-US" dirty="0"/>
+          </a:p>
+        </p:txBody>
+      </p:sp>
+      <p:pic>
+        <p:nvPicPr>
+          <p:cNvPr id="5" name="Picture 4" descr="Map&#10;&#10;Description automatically generated">
+            <a:extLst>
+              <a:ext uri="{FF2B5EF4-FFF2-40B4-BE49-F238E27FC236}">
+                <a16:creationId xmlns:a16="http://schemas.microsoft.com/office/drawing/2014/main" id="{213E3DBA-BCAE-4D55-A4B0-8F0E57DFCF15}"/>
+              </a:ext>
+            </a:extLst>
+          </p:cNvPr>
+          <p:cNvPicPr>
+            <a:picLocks noChangeAspect="1"/>
+          </p:cNvPicPr>
+          <p:nvPr/>
+        </p:nvPicPr>
+        <p:blipFill>
+          <a:blip r:embed="rId2"/>
+          <a:stretch>
+            <a:fillRect/>
+          </a:stretch>
+        </p:blipFill>
+        <p:spPr>
+          <a:xfrm>
+            <a:off x="961523" y="1354225"/>
+            <a:ext cx="7216603" cy="2919925"/>
+          </a:xfrm>
+          <a:prstGeom prst="rect">
+            <a:avLst/>
+          </a:prstGeom>
+        </p:spPr>
+      </p:pic>
+    </p:spTree>
+    <p:extLst>
+      <p:ext uri="{BB962C8B-B14F-4D97-AF65-F5344CB8AC3E}">
+        <p14:creationId xmlns:p14="http://schemas.microsoft.com/office/powerpoint/2010/main" val="1666075389"/>
+      </p:ext>
+    </p:extLst>
+  </p:cSld>
+  <p:clrMapOvr>
+    <a:masterClrMapping/>
+  </p:clrMapOvr>
+</p:sld>
+</file>
+
+<file path=ppt/slides/slide11.xml><?xml version="1.0" encoding="utf-8"?>
+<p:sld xmlns:a="http://schemas.openxmlformats.org/drawingml/2006/main" xmlns:r="http://schemas.openxmlformats.org/officeDocument/2006/relationships" xmlns:p="http://schemas.openxmlformats.org/presentationml/2006/main">
+  <p:cSld>
     <p:bg>
       <p:bgPr>
         <a:solidFill>
@@ -20991,7 +21105,7 @@
 </p:sld>
 </file>
 
-<file path=ppt/slides/slide11.xml><?xml version="1.0" encoding="utf-8"?>
+<file path=ppt/slides/slide12.xml><?xml version="1.0" encoding="utf-8"?>
 <p:sld xmlns:a="http://schemas.openxmlformats.org/drawingml/2006/main" xmlns:r="http://schemas.openxmlformats.org/officeDocument/2006/relationships" xmlns:p="http://schemas.openxmlformats.org/presentationml/2006/main">
   <p:cSld>
     <p:bg>
@@ -21445,7 +21559,7 @@
 </p:sld>
 </file>
 
-<file path=ppt/slides/slide12.xml><?xml version="1.0" encoding="utf-8"?>
+<file path=ppt/slides/slide13.xml><?xml version="1.0" encoding="utf-8"?>
 <p:sld xmlns:a="http://schemas.openxmlformats.org/drawingml/2006/main" xmlns:r="http://schemas.openxmlformats.org/officeDocument/2006/relationships" xmlns:p="http://schemas.openxmlformats.org/presentationml/2006/main">
   <p:cSld>
     <p:bg>
@@ -21881,7 +21995,7 @@
 </p:sld>
 </file>
 
-<file path=ppt/slides/slide13.xml><?xml version="1.0" encoding="utf-8"?>
+<file path=ppt/slides/slide14.xml><?xml version="1.0" encoding="utf-8"?>
 <p:sld xmlns:a="http://schemas.openxmlformats.org/drawingml/2006/main" xmlns:r="http://schemas.openxmlformats.org/officeDocument/2006/relationships" xmlns:p="http://schemas.openxmlformats.org/presentationml/2006/main">
   <p:cSld>
     <p:spTree>
@@ -22031,7 +22145,7 @@
 </p:sld>
 </file>
 
-<file path=ppt/slides/slide14.xml><?xml version="1.0" encoding="utf-8"?>
+<file path=ppt/slides/slide15.xml><?xml version="1.0" encoding="utf-8"?>
 <p:sld xmlns:a="http://schemas.openxmlformats.org/drawingml/2006/main" xmlns:r="http://schemas.openxmlformats.org/officeDocument/2006/relationships" xmlns:p="http://schemas.openxmlformats.org/presentationml/2006/main">
   <p:cSld>
     <p:spTree>
@@ -22188,7 +22302,7 @@
 </p:sld>
 </file>
 
-<file path=ppt/slides/slide15.xml><?xml version="1.0" encoding="utf-8"?>
+<file path=ppt/slides/slide16.xml><?xml version="1.0" encoding="utf-8"?>
 <p:sld xmlns:a="http://schemas.openxmlformats.org/drawingml/2006/main" xmlns:r="http://schemas.openxmlformats.org/officeDocument/2006/relationships" xmlns:p="http://schemas.openxmlformats.org/presentationml/2006/main">
   <p:cSld>
     <p:bg>
@@ -22624,7 +22738,7 @@
 </p:sld>
 </file>
 
-<file path=ppt/slides/slide16.xml><?xml version="1.0" encoding="utf-8"?>
+<file path=ppt/slides/slide17.xml><?xml version="1.0" encoding="utf-8"?>
 <p:sld xmlns:a="http://schemas.openxmlformats.org/drawingml/2006/main" xmlns:r="http://schemas.openxmlformats.org/officeDocument/2006/relationships" xmlns:p="http://schemas.openxmlformats.org/presentationml/2006/main">
   <p:cSld>
     <p:bg>
@@ -23589,7 +23703,7 @@
 </p:sld>
 </file>
 
-<file path=ppt/slides/slide17.xml><?xml version="1.0" encoding="utf-8"?>
+<file path=ppt/slides/slide18.xml><?xml version="1.0" encoding="utf-8"?>
 <p:sld xmlns:a="http://schemas.openxmlformats.org/drawingml/2006/main" xmlns:r="http://schemas.openxmlformats.org/officeDocument/2006/relationships" xmlns:p="http://schemas.openxmlformats.org/presentationml/2006/main">
   <p:cSld>
     <p:spTree>
@@ -23681,7 +23795,7 @@
 </p:sld>
 </file>
 
-<file path=ppt/slides/slide18.xml><?xml version="1.0" encoding="utf-8"?>
+<file path=ppt/slides/slide19.xml><?xml version="1.0" encoding="utf-8"?>
 <p:sld xmlns:a="http://schemas.openxmlformats.org/drawingml/2006/main" xmlns:r="http://schemas.openxmlformats.org/officeDocument/2006/relationships" xmlns:p="http://schemas.openxmlformats.org/presentationml/2006/main">
   <p:cSld>
     <p:bg>

--- a/presentation_covid19-final.pptx
+++ b/presentation_covid19-final.pptx
@@ -5,7 +5,7 @@
     <p:sldMasterId id="2147483672" r:id="rId1"/>
   </p:sldMasterIdLst>
   <p:notesMasterIdLst>
-    <p:notesMasterId r:id="rId21"/>
+    <p:notesMasterId r:id="rId22"/>
   </p:notesMasterIdLst>
   <p:sldIdLst>
     <p:sldId id="256" r:id="rId2"/>
@@ -19,36 +19,37 @@
     <p:sldId id="307" r:id="rId10"/>
     <p:sldId id="316" r:id="rId11"/>
     <p:sldId id="312" r:id="rId12"/>
-    <p:sldId id="308" r:id="rId13"/>
-    <p:sldId id="309" r:id="rId14"/>
-    <p:sldId id="314" r:id="rId15"/>
-    <p:sldId id="315" r:id="rId16"/>
-    <p:sldId id="311" r:id="rId17"/>
-    <p:sldId id="261" r:id="rId18"/>
-    <p:sldId id="313" r:id="rId19"/>
-    <p:sldId id="286" r:id="rId20"/>
+    <p:sldId id="317" r:id="rId13"/>
+    <p:sldId id="308" r:id="rId14"/>
+    <p:sldId id="309" r:id="rId15"/>
+    <p:sldId id="314" r:id="rId16"/>
+    <p:sldId id="315" r:id="rId17"/>
+    <p:sldId id="311" r:id="rId18"/>
+    <p:sldId id="261" r:id="rId19"/>
+    <p:sldId id="313" r:id="rId20"/>
+    <p:sldId id="286" r:id="rId21"/>
   </p:sldIdLst>
   <p:sldSz cx="9144000" cy="5143500" type="screen16x9"/>
   <p:notesSz cx="6858000" cy="9144000"/>
   <p:embeddedFontLst>
     <p:embeddedFont>
       <p:font typeface="Abel" panose="020B0604020202020204" charset="0"/>
-      <p:regular r:id="rId22"/>
+      <p:regular r:id="rId23"/>
     </p:embeddedFont>
     <p:embeddedFont>
       <p:font typeface="Bahiana" panose="020B0604020202020204" charset="0"/>
-      <p:regular r:id="rId23"/>
+      <p:regular r:id="rId24"/>
     </p:embeddedFont>
     <p:embeddedFont>
       <p:font typeface="Georgia" panose="02040502050405020303" pitchFamily="18" charset="0"/>
-      <p:regular r:id="rId24"/>
-      <p:bold r:id="rId25"/>
-      <p:italic r:id="rId26"/>
-      <p:boldItalic r:id="rId27"/>
+      <p:regular r:id="rId25"/>
+      <p:bold r:id="rId26"/>
+      <p:italic r:id="rId27"/>
+      <p:boldItalic r:id="rId28"/>
     </p:embeddedFont>
     <p:embeddedFont>
       <p:font typeface="Staatliches" panose="020B0604020202020204" charset="0"/>
-      <p:regular r:id="rId28"/>
+      <p:regular r:id="rId29"/>
     </p:embeddedFont>
   </p:embeddedFontLst>
   <p:defaultTextStyle>
@@ -21108,6 +21109,214 @@
 <file path=ppt/slides/slide12.xml><?xml version="1.0" encoding="utf-8"?>
 <p:sld xmlns:a="http://schemas.openxmlformats.org/drawingml/2006/main" xmlns:r="http://schemas.openxmlformats.org/officeDocument/2006/relationships" xmlns:p="http://schemas.openxmlformats.org/presentationml/2006/main">
   <p:cSld>
+    <p:spTree>
+      <p:nvGrpSpPr>
+        <p:cNvPr id="1" name=""/>
+        <p:cNvGrpSpPr/>
+        <p:nvPr/>
+      </p:nvGrpSpPr>
+      <p:grpSpPr>
+        <a:xfrm>
+          <a:off x="0" y="0"/>
+          <a:ext cx="0" cy="0"/>
+          <a:chOff x="0" y="0"/>
+          <a:chExt cx="0" cy="0"/>
+        </a:xfrm>
+      </p:grpSpPr>
+      <p:sp>
+        <p:nvSpPr>
+          <p:cNvPr id="2" name="Title 1">
+            <a:extLst>
+              <a:ext uri="{FF2B5EF4-FFF2-40B4-BE49-F238E27FC236}">
+                <a16:creationId xmlns:a16="http://schemas.microsoft.com/office/drawing/2014/main" id="{68A8A07F-FEA9-4B11-9F65-A672DBE1AAF1}"/>
+              </a:ext>
+            </a:extLst>
+          </p:cNvPr>
+          <p:cNvSpPr>
+            <a:spLocks noGrp="1"/>
+          </p:cNvSpPr>
+          <p:nvPr>
+            <p:ph type="ctrTitle"/>
+          </p:nvPr>
+        </p:nvSpPr>
+        <p:spPr/>
+        <p:txBody>
+          <a:bodyPr/>
+          <a:lstStyle/>
+          <a:p>
+            <a:r>
+              <a:rPr lang="en-US" dirty="0"/>
+              <a:t>Our Tested </a:t>
+            </a:r>
+            <a:r>
+              <a:rPr lang="en-US" dirty="0" err="1"/>
+              <a:t>hypothisis</a:t>
+            </a:r>
+            <a:endParaRPr lang="en-US" dirty="0"/>
+          </a:p>
+        </p:txBody>
+      </p:sp>
+      <p:sp>
+        <p:nvSpPr>
+          <p:cNvPr id="3" name="Text Placeholder 2">
+            <a:extLst>
+              <a:ext uri="{FF2B5EF4-FFF2-40B4-BE49-F238E27FC236}">
+                <a16:creationId xmlns:a16="http://schemas.microsoft.com/office/drawing/2014/main" id="{E2FF8999-F469-48B3-8C42-5002943F69CA}"/>
+              </a:ext>
+            </a:extLst>
+          </p:cNvPr>
+          <p:cNvSpPr>
+            <a:spLocks noGrp="1"/>
+          </p:cNvSpPr>
+          <p:nvPr>
+            <p:ph type="body" idx="1"/>
+          </p:nvPr>
+        </p:nvSpPr>
+        <p:spPr/>
+        <p:txBody>
+          <a:bodyPr/>
+          <a:lstStyle/>
+          <a:p>
+            <a:pPr marL="158750" indent="0">
+              <a:buNone/>
+            </a:pPr>
+            <a:r>
+              <a:rPr lang="en-US" dirty="0"/>
+              <a:t>Hypothesis Testing:</a:t>
+            </a:r>
+          </a:p>
+          <a:p>
+            <a:pPr marL="158750" indent="0">
+              <a:buNone/>
+            </a:pPr>
+            <a:endParaRPr lang="en-US" dirty="0"/>
+          </a:p>
+          <a:p>
+            <a:pPr marL="330200" indent="-171450">
+              <a:buFont typeface="Arial" panose="020B0604020202020204" pitchFamily="34" charset="0"/>
+              <a:buChar char="•"/>
+            </a:pPr>
+            <a:r>
+              <a:rPr lang="en-US" dirty="0"/>
+              <a:t>Hypothesis: Highly dense continents are mostly affected by Covid-19 due to closer proximity of potential carriers. </a:t>
+            </a:r>
+          </a:p>
+          <a:p>
+            <a:endParaRPr lang="en-US" dirty="0"/>
+          </a:p>
+          <a:p>
+            <a:endParaRPr lang="en-US" dirty="0"/>
+          </a:p>
+          <a:p>
+            <a:pPr marL="158750" indent="0">
+              <a:buNone/>
+            </a:pPr>
+            <a:r>
+              <a:rPr lang="en-US" dirty="0"/>
+              <a:t>Analysis:</a:t>
+            </a:r>
+          </a:p>
+          <a:p>
+            <a:pPr marL="158750" indent="0">
+              <a:buNone/>
+            </a:pPr>
+            <a:endParaRPr lang="en-US" dirty="0"/>
+          </a:p>
+          <a:p>
+            <a:pPr marL="330200" indent="-171450">
+              <a:buFont typeface="Arial" panose="020B0604020202020204" pitchFamily="34" charset="0"/>
+              <a:buChar char="•"/>
+            </a:pPr>
+            <a:r>
+              <a:rPr lang="en-US" dirty="0"/>
+              <a:t>Our calculated Degree of Freedom = 5</a:t>
+            </a:r>
+          </a:p>
+          <a:p>
+            <a:pPr marL="330200" indent="-171450">
+              <a:buFont typeface="Arial" panose="020B0604020202020204" pitchFamily="34" charset="0"/>
+              <a:buChar char="•"/>
+            </a:pPr>
+            <a:r>
+              <a:rPr lang="en-US" dirty="0"/>
+              <a:t>Confidence Interval = 95%</a:t>
+            </a:r>
+          </a:p>
+          <a:p>
+            <a:pPr marL="330200" indent="-171450">
+              <a:buFont typeface="Arial" panose="020B0604020202020204" pitchFamily="34" charset="0"/>
+              <a:buChar char="•"/>
+            </a:pPr>
+            <a:r>
+              <a:rPr lang="en-US" dirty="0"/>
+              <a:t>Critical Value = 11.070497693516351</a:t>
+            </a:r>
+          </a:p>
+          <a:p>
+            <a:pPr marL="330200" indent="-171450">
+              <a:buFont typeface="Arial" panose="020B0604020202020204" pitchFamily="34" charset="0"/>
+              <a:buChar char="•"/>
+            </a:pPr>
+            <a:endParaRPr lang="en-US" dirty="0"/>
+          </a:p>
+          <a:p>
+            <a:pPr marL="158750" indent="0">
+              <a:buNone/>
+            </a:pPr>
+            <a:r>
+              <a:rPr lang="en-US" dirty="0"/>
+              <a:t>Conclusion:</a:t>
+            </a:r>
+          </a:p>
+          <a:p>
+            <a:pPr marL="158750" indent="0">
+              <a:buNone/>
+            </a:pPr>
+            <a:endParaRPr lang="en-US" dirty="0"/>
+          </a:p>
+          <a:p>
+            <a:pPr marL="330200" indent="-171450">
+              <a:buFont typeface="Arial" panose="020B0604020202020204" pitchFamily="34" charset="0"/>
+              <a:buChar char="•"/>
+            </a:pPr>
+            <a:r>
+              <a:rPr lang="en-US" dirty="0"/>
+              <a:t>The Chi-square value exceeds the critical value, which means the statistically significant but we cannot accept the Null Hypothesis because the P value is 0</a:t>
+            </a:r>
+          </a:p>
+          <a:p>
+            <a:pPr marL="330200" indent="-171450">
+              <a:buFont typeface="Arial" panose="020B0604020202020204" pitchFamily="34" charset="0"/>
+              <a:buChar char="•"/>
+            </a:pPr>
+            <a:r>
+              <a:rPr lang="en-US" dirty="0"/>
+              <a:t>Therefore, Population density of the continent does not contribute to the spread of </a:t>
+            </a:r>
+            <a:r>
+              <a:rPr lang="en-US"/>
+              <a:t>Covid</a:t>
+            </a:r>
+            <a:endParaRPr lang="en-US" dirty="0"/>
+          </a:p>
+        </p:txBody>
+      </p:sp>
+    </p:spTree>
+    <p:extLst>
+      <p:ext uri="{BB962C8B-B14F-4D97-AF65-F5344CB8AC3E}">
+        <p14:creationId xmlns:p14="http://schemas.microsoft.com/office/powerpoint/2010/main" val="664889665"/>
+      </p:ext>
+    </p:extLst>
+  </p:cSld>
+  <p:clrMapOvr>
+    <a:masterClrMapping/>
+  </p:clrMapOvr>
+</p:sld>
+</file>
+
+<file path=ppt/slides/slide13.xml><?xml version="1.0" encoding="utf-8"?>
+<p:sld xmlns:a="http://schemas.openxmlformats.org/drawingml/2006/main" xmlns:r="http://schemas.openxmlformats.org/officeDocument/2006/relationships" xmlns:p="http://schemas.openxmlformats.org/presentationml/2006/main">
+  <p:cSld>
     <p:bg>
       <p:bgPr>
         <a:solidFill>
@@ -21559,7 +21768,7 @@
 </p:sld>
 </file>
 
-<file path=ppt/slides/slide13.xml><?xml version="1.0" encoding="utf-8"?>
+<file path=ppt/slides/slide14.xml><?xml version="1.0" encoding="utf-8"?>
 <p:sld xmlns:a="http://schemas.openxmlformats.org/drawingml/2006/main" xmlns:r="http://schemas.openxmlformats.org/officeDocument/2006/relationships" xmlns:p="http://schemas.openxmlformats.org/presentationml/2006/main">
   <p:cSld>
     <p:bg>
@@ -21995,7 +22204,7 @@
 </p:sld>
 </file>
 
-<file path=ppt/slides/slide14.xml><?xml version="1.0" encoding="utf-8"?>
+<file path=ppt/slides/slide15.xml><?xml version="1.0" encoding="utf-8"?>
 <p:sld xmlns:a="http://schemas.openxmlformats.org/drawingml/2006/main" xmlns:r="http://schemas.openxmlformats.org/officeDocument/2006/relationships" xmlns:p="http://schemas.openxmlformats.org/presentationml/2006/main">
   <p:cSld>
     <p:spTree>
@@ -22145,7 +22354,7 @@
 </p:sld>
 </file>
 
-<file path=ppt/slides/slide15.xml><?xml version="1.0" encoding="utf-8"?>
+<file path=ppt/slides/slide16.xml><?xml version="1.0" encoding="utf-8"?>
 <p:sld xmlns:a="http://schemas.openxmlformats.org/drawingml/2006/main" xmlns:r="http://schemas.openxmlformats.org/officeDocument/2006/relationships" xmlns:p="http://schemas.openxmlformats.org/presentationml/2006/main">
   <p:cSld>
     <p:spTree>
@@ -22302,7 +22511,7 @@
 </p:sld>
 </file>
 
-<file path=ppt/slides/slide16.xml><?xml version="1.0" encoding="utf-8"?>
+<file path=ppt/slides/slide17.xml><?xml version="1.0" encoding="utf-8"?>
 <p:sld xmlns:a="http://schemas.openxmlformats.org/drawingml/2006/main" xmlns:r="http://schemas.openxmlformats.org/officeDocument/2006/relationships" xmlns:p="http://schemas.openxmlformats.org/presentationml/2006/main">
   <p:cSld>
     <p:bg>
@@ -22738,7 +22947,7 @@
 </p:sld>
 </file>
 
-<file path=ppt/slides/slide17.xml><?xml version="1.0" encoding="utf-8"?>
+<file path=ppt/slides/slide18.xml><?xml version="1.0" encoding="utf-8"?>
 <p:sld xmlns:a="http://schemas.openxmlformats.org/drawingml/2006/main" xmlns:r="http://schemas.openxmlformats.org/officeDocument/2006/relationships" xmlns:p="http://schemas.openxmlformats.org/presentationml/2006/main">
   <p:cSld>
     <p:bg>
@@ -23703,7 +23912,7 @@
 </p:sld>
 </file>
 
-<file path=ppt/slides/slide18.xml><?xml version="1.0" encoding="utf-8"?>
+<file path=ppt/slides/slide19.xml><?xml version="1.0" encoding="utf-8"?>
 <p:sld xmlns:a="http://schemas.openxmlformats.org/drawingml/2006/main" xmlns:r="http://schemas.openxmlformats.org/officeDocument/2006/relationships" xmlns:p="http://schemas.openxmlformats.org/presentationml/2006/main">
   <p:cSld>
     <p:spTree>
@@ -23795,7 +24004,157 @@
 </p:sld>
 </file>
 
-<file path=ppt/slides/slide19.xml><?xml version="1.0" encoding="utf-8"?>
+<file path=ppt/slides/slide2.xml><?xml version="1.0" encoding="utf-8"?>
+<p:sld xmlns:a="http://schemas.openxmlformats.org/drawingml/2006/main" xmlns:r="http://schemas.openxmlformats.org/officeDocument/2006/relationships" xmlns:p="http://schemas.openxmlformats.org/presentationml/2006/main">
+  <p:cSld>
+    <p:bg>
+      <p:bgPr>
+        <a:solidFill>
+          <a:schemeClr val="dk2"/>
+        </a:solidFill>
+        <a:effectLst/>
+      </p:bgPr>
+    </p:bg>
+    <p:spTree>
+      <p:nvGrpSpPr>
+        <p:cNvPr id="1" name="Shape 251"/>
+        <p:cNvGrpSpPr/>
+        <p:nvPr/>
+      </p:nvGrpSpPr>
+      <p:grpSpPr>
+        <a:xfrm>
+          <a:off x="0" y="0"/>
+          <a:ext cx="0" cy="0"/>
+          <a:chOff x="0" y="0"/>
+          <a:chExt cx="0" cy="0"/>
+        </a:xfrm>
+      </p:grpSpPr>
+      <p:sp>
+        <p:nvSpPr>
+          <p:cNvPr id="253" name="Google Shape;253;p28"/>
+          <p:cNvSpPr txBox="1">
+            <a:spLocks noGrp="1"/>
+          </p:cNvSpPr>
+          <p:nvPr>
+            <p:ph type="ctrTitle"/>
+          </p:nvPr>
+        </p:nvSpPr>
+        <p:spPr>
+          <a:xfrm>
+            <a:off x="939299" y="552646"/>
+            <a:ext cx="7265400" cy="548100"/>
+          </a:xfrm>
+          <a:prstGeom prst="rect">
+            <a:avLst/>
+          </a:prstGeom>
+        </p:spPr>
+        <p:txBody>
+          <a:bodyPr spcFirstLastPara="1" wrap="square" lIns="91425" tIns="91425" rIns="91425" bIns="91425" anchor="t" anchorCtr="0">
+            <a:noAutofit/>
+          </a:bodyPr>
+          <a:lstStyle/>
+          <a:p>
+            <a:pPr marL="0" lvl="0" indent="0" algn="ctr" rtl="0">
+              <a:spcBef>
+                <a:spcPts val="0"/>
+              </a:spcBef>
+              <a:spcAft>
+                <a:spcPts val="0"/>
+              </a:spcAft>
+              <a:buNone/>
+            </a:pPr>
+            <a:r>
+              <a:rPr lang="en-US" dirty="0"/>
+              <a:t>Q</a:t>
+            </a:r>
+            <a:r>
+              <a:rPr lang="en" dirty="0"/>
+              <a:t>uestions we explored</a:t>
+            </a:r>
+            <a:endParaRPr dirty="0">
+              <a:solidFill>
+                <a:schemeClr val="dk1"/>
+              </a:solidFill>
+            </a:endParaRPr>
+          </a:p>
+        </p:txBody>
+      </p:sp>
+      <p:sp>
+        <p:nvSpPr>
+          <p:cNvPr id="3" name="Text Placeholder 2">
+            <a:extLst>
+              <a:ext uri="{FF2B5EF4-FFF2-40B4-BE49-F238E27FC236}">
+                <a16:creationId xmlns:a16="http://schemas.microsoft.com/office/drawing/2014/main" id="{A3FC083B-688E-4517-BFF2-9DE6FDA843F8}"/>
+              </a:ext>
+            </a:extLst>
+          </p:cNvPr>
+          <p:cNvSpPr>
+            <a:spLocks noGrp="1"/>
+          </p:cNvSpPr>
+          <p:nvPr>
+            <p:ph type="body" idx="1"/>
+          </p:nvPr>
+        </p:nvSpPr>
+        <p:spPr/>
+        <p:txBody>
+          <a:bodyPr/>
+          <a:lstStyle/>
+          <a:p>
+            <a:r>
+              <a:rPr lang="en-US" sz="2000" dirty="0"/>
+              <a:t>How has covid-19 impacted the world? What countries have the highest # of Cases and # Deaths?</a:t>
+            </a:r>
+          </a:p>
+          <a:p>
+            <a:r>
+              <a:rPr lang="en-US" sz="2000" dirty="0"/>
+              <a:t>Does population density have any impact on the rise of COVID-19 cases or deaths?</a:t>
+            </a:r>
+          </a:p>
+          <a:p>
+            <a:r>
+              <a:rPr lang="en-US" sz="2000" dirty="0"/>
+              <a:t>Is there a relationship between life-expectancy and rise of COVID-19 in countries? </a:t>
+            </a:r>
+          </a:p>
+          <a:p>
+            <a:r>
+              <a:rPr lang="en-US" sz="2000" dirty="0"/>
+              <a:t>Does Diabetes Prevalence have any relationship with the rise of COVID-19 deaths?</a:t>
+            </a:r>
+          </a:p>
+          <a:p>
+            <a:r>
+              <a:rPr lang="en-US" sz="2000" dirty="0"/>
+              <a:t>Do countries with fewer hospital beds have a higher # of deaths? </a:t>
+            </a:r>
+          </a:p>
+          <a:p>
+            <a:r>
+              <a:rPr lang="en-US" sz="2000" dirty="0"/>
+              <a:t>Do male or female smokers have a higher chance of death of COVID-19?</a:t>
+            </a:r>
+          </a:p>
+          <a:p>
+            <a:pPr marL="158750" indent="0">
+              <a:buNone/>
+            </a:pPr>
+            <a:endParaRPr lang="en-US" dirty="0"/>
+          </a:p>
+          <a:p>
+            <a:endParaRPr lang="en-US" dirty="0"/>
+          </a:p>
+        </p:txBody>
+      </p:sp>
+    </p:spTree>
+  </p:cSld>
+  <p:clrMapOvr>
+    <a:masterClrMapping/>
+  </p:clrMapOvr>
+</p:sld>
+</file>
+
+<file path=ppt/slides/slide20.xml><?xml version="1.0" encoding="utf-8"?>
 <p:sld xmlns:a="http://schemas.openxmlformats.org/drawingml/2006/main" xmlns:r="http://schemas.openxmlformats.org/officeDocument/2006/relationships" xmlns:p="http://schemas.openxmlformats.org/presentationml/2006/main">
   <p:cSld>
     <p:bg>
@@ -26217,156 +26576,6 @@
           </p:spPr>
         </p:cxnSp>
       </p:grpSp>
-    </p:spTree>
-  </p:cSld>
-  <p:clrMapOvr>
-    <a:masterClrMapping/>
-  </p:clrMapOvr>
-</p:sld>
-</file>
-
-<file path=ppt/slides/slide2.xml><?xml version="1.0" encoding="utf-8"?>
-<p:sld xmlns:a="http://schemas.openxmlformats.org/drawingml/2006/main" xmlns:r="http://schemas.openxmlformats.org/officeDocument/2006/relationships" xmlns:p="http://schemas.openxmlformats.org/presentationml/2006/main">
-  <p:cSld>
-    <p:bg>
-      <p:bgPr>
-        <a:solidFill>
-          <a:schemeClr val="dk2"/>
-        </a:solidFill>
-        <a:effectLst/>
-      </p:bgPr>
-    </p:bg>
-    <p:spTree>
-      <p:nvGrpSpPr>
-        <p:cNvPr id="1" name="Shape 251"/>
-        <p:cNvGrpSpPr/>
-        <p:nvPr/>
-      </p:nvGrpSpPr>
-      <p:grpSpPr>
-        <a:xfrm>
-          <a:off x="0" y="0"/>
-          <a:ext cx="0" cy="0"/>
-          <a:chOff x="0" y="0"/>
-          <a:chExt cx="0" cy="0"/>
-        </a:xfrm>
-      </p:grpSpPr>
-      <p:sp>
-        <p:nvSpPr>
-          <p:cNvPr id="253" name="Google Shape;253;p28"/>
-          <p:cNvSpPr txBox="1">
-            <a:spLocks noGrp="1"/>
-          </p:cNvSpPr>
-          <p:nvPr>
-            <p:ph type="ctrTitle"/>
-          </p:nvPr>
-        </p:nvSpPr>
-        <p:spPr>
-          <a:xfrm>
-            <a:off x="939299" y="552646"/>
-            <a:ext cx="7265400" cy="548100"/>
-          </a:xfrm>
-          <a:prstGeom prst="rect">
-            <a:avLst/>
-          </a:prstGeom>
-        </p:spPr>
-        <p:txBody>
-          <a:bodyPr spcFirstLastPara="1" wrap="square" lIns="91425" tIns="91425" rIns="91425" bIns="91425" anchor="t" anchorCtr="0">
-            <a:noAutofit/>
-          </a:bodyPr>
-          <a:lstStyle/>
-          <a:p>
-            <a:pPr marL="0" lvl="0" indent="0" algn="ctr" rtl="0">
-              <a:spcBef>
-                <a:spcPts val="0"/>
-              </a:spcBef>
-              <a:spcAft>
-                <a:spcPts val="0"/>
-              </a:spcAft>
-              <a:buNone/>
-            </a:pPr>
-            <a:r>
-              <a:rPr lang="en-US" dirty="0"/>
-              <a:t>Q</a:t>
-            </a:r>
-            <a:r>
-              <a:rPr lang="en" dirty="0"/>
-              <a:t>uestions we explored</a:t>
-            </a:r>
-            <a:endParaRPr dirty="0">
-              <a:solidFill>
-                <a:schemeClr val="dk1"/>
-              </a:solidFill>
-            </a:endParaRPr>
-          </a:p>
-        </p:txBody>
-      </p:sp>
-      <p:sp>
-        <p:nvSpPr>
-          <p:cNvPr id="3" name="Text Placeholder 2">
-            <a:extLst>
-              <a:ext uri="{FF2B5EF4-FFF2-40B4-BE49-F238E27FC236}">
-                <a16:creationId xmlns:a16="http://schemas.microsoft.com/office/drawing/2014/main" id="{A3FC083B-688E-4517-BFF2-9DE6FDA843F8}"/>
-              </a:ext>
-            </a:extLst>
-          </p:cNvPr>
-          <p:cNvSpPr>
-            <a:spLocks noGrp="1"/>
-          </p:cNvSpPr>
-          <p:nvPr>
-            <p:ph type="body" idx="1"/>
-          </p:nvPr>
-        </p:nvSpPr>
-        <p:spPr/>
-        <p:txBody>
-          <a:bodyPr/>
-          <a:lstStyle/>
-          <a:p>
-            <a:r>
-              <a:rPr lang="en-US" sz="2000" dirty="0"/>
-              <a:t>How has covid-19 impacted the world? What countries have the highest # of Cases and # Deaths?</a:t>
-            </a:r>
-          </a:p>
-          <a:p>
-            <a:r>
-              <a:rPr lang="en-US" sz="2000" dirty="0"/>
-              <a:t>Does population density have any impact on the rise of COVID-19 cases or deaths?</a:t>
-            </a:r>
-          </a:p>
-          <a:p>
-            <a:r>
-              <a:rPr lang="en-US" sz="2000" dirty="0"/>
-              <a:t>Is there a relationship between life-expectancy and rise of COVID-19 in countries? </a:t>
-            </a:r>
-          </a:p>
-          <a:p>
-            <a:r>
-              <a:rPr lang="en-US" sz="2000" dirty="0"/>
-              <a:t>Does Diabetes Prevalence have any relationship with the rise of COVID-19 deaths?</a:t>
-            </a:r>
-          </a:p>
-          <a:p>
-            <a:r>
-              <a:rPr lang="en-US" sz="2000" dirty="0"/>
-              <a:t>Do countries with fewer hospital beds have a higher # of deaths? </a:t>
-            </a:r>
-          </a:p>
-          <a:p>
-            <a:r>
-              <a:rPr lang="en-US" sz="2000" dirty="0"/>
-              <a:t>Do male or female smokers have a higher chance of death of COVID-19?</a:t>
-            </a:r>
-          </a:p>
-          <a:p>
-            <a:pPr marL="158750" indent="0">
-              <a:buNone/>
-            </a:pPr>
-            <a:endParaRPr lang="en-US" dirty="0"/>
-          </a:p>
-          <a:p>
-            <a:endParaRPr lang="en-US" dirty="0"/>
-          </a:p>
-        </p:txBody>
-      </p:sp>
     </p:spTree>
   </p:cSld>
   <p:clrMapOvr>

--- a/presentation_covid19-final.pptx
+++ b/presentation_covid19-final.pptx
@@ -33,11 +33,11 @@
   <p:notesSz cx="6858000" cy="9144000"/>
   <p:embeddedFontLst>
     <p:embeddedFont>
-      <p:font typeface="Abel" panose="020B0604020202020204" charset="0"/>
+      <p:font typeface="Abel" panose="02000506030000020004" pitchFamily="2" charset="0"/>
       <p:regular r:id="rId23"/>
     </p:embeddedFont>
     <p:embeddedFont>
-      <p:font typeface="Bahiana" panose="020B0604020202020204" charset="0"/>
+      <p:font typeface="Bahiana" pitchFamily="2" charset="77"/>
       <p:regular r:id="rId24"/>
     </p:embeddedFont>
     <p:embeddedFont>
@@ -48,7 +48,7 @@
       <p:boldItalic r:id="rId28"/>
     </p:embeddedFont>
     <p:embeddedFont>
-      <p:font typeface="Staatliches" panose="020B0604020202020204" charset="0"/>
+      <p:font typeface="Staatliches" pitchFamily="2" charset="0"/>
       <p:regular r:id="rId29"/>
     </p:embeddedFont>
   </p:embeddedFontLst>
@@ -21146,13 +21146,8 @@
           <a:p>
             <a:r>
               <a:rPr lang="en-US" dirty="0"/>
-              <a:t>Our Tested </a:t>
+              <a:t>Our Tested hypothesis</a:t>
             </a:r>
-            <a:r>
-              <a:rPr lang="en-US" dirty="0" err="1"/>
-              <a:t>hypothisis</a:t>
-            </a:r>
-            <a:endParaRPr lang="en-US" dirty="0"/>
           </a:p>
         </p:txBody>
       </p:sp>
@@ -21294,7 +21289,7 @@
               <a:t>Therefore, Population density of the continent does not contribute to the spread of </a:t>
             </a:r>
             <a:r>
-              <a:rPr lang="en-US"/>
+              <a:rPr lang="en-US" dirty="0" err="1"/>
               <a:t>Covid</a:t>
             </a:r>
             <a:endParaRPr lang="en-US" dirty="0"/>
@@ -23947,17 +23942,72 @@
         </p:nvSpPr>
         <p:spPr>
           <a:xfrm flipH="1">
-            <a:off x="1055054" y="2805150"/>
-            <a:ext cx="6875100" cy="1641300"/>
+            <a:off x="1134450" y="2571750"/>
+            <a:ext cx="6875100" cy="2025979"/>
           </a:xfrm>
         </p:spPr>
         <p:txBody>
           <a:bodyPr/>
           <a:lstStyle/>
           <a:p>
+            <a:pPr>
+              <a:buFont typeface="Wingdings" pitchFamily="2" charset="2"/>
+              <a:buChar char="Ø"/>
+            </a:pPr>
+            <a:endParaRPr lang="en-US" sz="1200" dirty="0"/>
+          </a:p>
+          <a:p>
+            <a:pPr>
+              <a:buFont typeface="Wingdings" pitchFamily="2" charset="2"/>
+              <a:buChar char="Ø"/>
+            </a:pPr>
+            <a:endParaRPr lang="en-US" sz="1200" dirty="0"/>
+          </a:p>
+          <a:p>
+            <a:pPr>
+              <a:buFont typeface="Wingdings" pitchFamily="2" charset="2"/>
+              <a:buChar char="Ø"/>
+            </a:pPr>
+            <a:endParaRPr lang="en-US" sz="1200" dirty="0"/>
+          </a:p>
+          <a:p>
+            <a:pPr>
+              <a:buFont typeface="Wingdings" pitchFamily="2" charset="2"/>
+              <a:buChar char="Ø"/>
+            </a:pPr>
             <a:r>
               <a:rPr lang="en-US" sz="1200" dirty="0"/>
-              <a:t>There seems to be a pattern of positive but weak correlations between the different variables in COVID-19 cases and deaths. The things that most people already knew about the virus such as cases among elderly populations or pre-existing conditions would have higher death rates. One conclusion that we can extrapolate from these findings is that even though the research we conducted came back positive, it may have had weak correlation because of low mortality rates compared to cases. This does not mean that one should look at COVID-19 less seriously. There are still long-term effects that could affect a person's health for life. Until more research is conducted and published, the current heath recommendations should be followed.    </a:t>
+              <a:t>There seems to be a pattern of positive but weak correlations between the different variables in COVID-19 cases and deaths. </a:t>
+            </a:r>
+          </a:p>
+          <a:p>
+            <a:pPr>
+              <a:buFont typeface="Wingdings" pitchFamily="2" charset="2"/>
+              <a:buChar char="Ø"/>
+            </a:pPr>
+            <a:r>
+              <a:rPr lang="en-US" sz="1200" dirty="0"/>
+              <a:t>The things that most people already knew about the virus such as cases among elderly populations or pre-existing conditions would have higher death rates. </a:t>
+            </a:r>
+          </a:p>
+          <a:p>
+            <a:pPr>
+              <a:buFont typeface="Wingdings" pitchFamily="2" charset="2"/>
+              <a:buChar char="Ø"/>
+            </a:pPr>
+            <a:r>
+              <a:rPr lang="en-US" sz="1200" dirty="0"/>
+              <a:t>One conclusion that we can extrapolate from these findings is that even though the research we conducted came back positive, it may have had weak correlation because of low mortality rates compared to cases. </a:t>
+            </a:r>
+          </a:p>
+          <a:p>
+            <a:pPr>
+              <a:buFont typeface="Wingdings" pitchFamily="2" charset="2"/>
+              <a:buChar char="Ø"/>
+            </a:pPr>
+            <a:r>
+              <a:rPr lang="en-US" sz="1200" dirty="0"/>
+              <a:t>This does not mean that one should look at COVID-19 less seriously. There are still long-term effects that could affect a person's health for life. Until more research is conducted and published, the current heath recommendations should be followed.    </a:t>
             </a:r>
           </a:p>
         </p:txBody>
